--- a/Curve Fever.pptx
+++ b/Curve Fever.pptx
@@ -5,10 +5,10 @@
     <p:sldMasterId id="2147483660" r:id="rId4"/>
   </p:sldMasterIdLst>
   <p:notesMasterIdLst>
-    <p:notesMasterId r:id="rId30"/>
+    <p:notesMasterId r:id="rId31"/>
   </p:notesMasterIdLst>
   <p:handoutMasterIdLst>
-    <p:handoutMasterId r:id="rId31"/>
+    <p:handoutMasterId r:id="rId32"/>
   </p:handoutMasterIdLst>
   <p:sldIdLst>
     <p:sldId id="257" r:id="rId5"/>
@@ -28,14 +28,15 @@
     <p:sldId id="283" r:id="rId19"/>
     <p:sldId id="285" r:id="rId20"/>
     <p:sldId id="291" r:id="rId21"/>
-    <p:sldId id="286" r:id="rId22"/>
-    <p:sldId id="287" r:id="rId23"/>
-    <p:sldId id="292" r:id="rId24"/>
-    <p:sldId id="290" r:id="rId25"/>
-    <p:sldId id="294" r:id="rId26"/>
-    <p:sldId id="295" r:id="rId27"/>
-    <p:sldId id="296" r:id="rId28"/>
-    <p:sldId id="293" r:id="rId29"/>
+    <p:sldId id="297" r:id="rId22"/>
+    <p:sldId id="286" r:id="rId23"/>
+    <p:sldId id="287" r:id="rId24"/>
+    <p:sldId id="292" r:id="rId25"/>
+    <p:sldId id="290" r:id="rId26"/>
+    <p:sldId id="294" r:id="rId27"/>
+    <p:sldId id="295" r:id="rId28"/>
+    <p:sldId id="296" r:id="rId29"/>
+    <p:sldId id="293" r:id="rId30"/>
   </p:sldIdLst>
   <p:sldSz cx="12188825" cy="6858000"/>
   <p:notesSz cx="6858000" cy="9144000"/>
@@ -6897,6 +6898,1129 @@
   <p:cSld>
     <p:spTree>
       <p:nvGrpSpPr>
+        <p:cNvPr id="1" name=""/>
+        <p:cNvGrpSpPr/>
+        <p:nvPr/>
+      </p:nvGrpSpPr>
+      <p:grpSpPr>
+        <a:xfrm>
+          <a:off x="0" y="0"/>
+          <a:ext cx="0" cy="0"/>
+          <a:chOff x="0" y="0"/>
+          <a:chExt cx="0" cy="0"/>
+        </a:xfrm>
+      </p:grpSpPr>
+      <p:sp>
+        <p:nvSpPr>
+          <p:cNvPr id="2" name="Naslov 1">
+            <a:extLst>
+              <a:ext uri="{FF2B5EF4-FFF2-40B4-BE49-F238E27FC236}">
+                <a16:creationId xmlns:a16="http://schemas.microsoft.com/office/drawing/2014/main" id="{5874ADA2-B24C-3BFD-6057-7CE171EA9D63}"/>
+              </a:ext>
+            </a:extLst>
+          </p:cNvPr>
+          <p:cNvSpPr>
+            <a:spLocks noGrp="1"/>
+          </p:cNvSpPr>
+          <p:nvPr>
+            <p:ph type="title"/>
+          </p:nvPr>
+        </p:nvSpPr>
+        <p:spPr/>
+        <p:txBody>
+          <a:bodyPr/>
+          <a:lstStyle/>
+          <a:p>
+            <a:r>
+              <a:rPr lang="en-US" dirty="0" err="1"/>
+              <a:t>Kretanje</a:t>
+            </a:r>
+            <a:r>
+              <a:rPr lang="en-US" dirty="0"/>
+              <a:t> </a:t>
+            </a:r>
+            <a:r>
+              <a:rPr lang="en-US" dirty="0" err="1"/>
+              <a:t>zmije</a:t>
+            </a:r>
+            <a:endParaRPr lang="hr-HR" dirty="0"/>
+          </a:p>
+        </p:txBody>
+      </p:sp>
+      <p:pic>
+        <p:nvPicPr>
+          <p:cNvPr id="6" name="Rezervirano mjesto sadržaja 5">
+            <a:extLst>
+              <a:ext uri="{FF2B5EF4-FFF2-40B4-BE49-F238E27FC236}">
+                <a16:creationId xmlns:a16="http://schemas.microsoft.com/office/drawing/2014/main" id="{AB486B2F-07BA-660F-40BA-9459E5974516}"/>
+              </a:ext>
+            </a:extLst>
+          </p:cNvPr>
+          <p:cNvPicPr>
+            <a:picLocks noGrp="1" noChangeAspect="1"/>
+          </p:cNvPicPr>
+          <p:nvPr>
+            <p:ph sz="half" idx="1"/>
+          </p:nvPr>
+        </p:nvPicPr>
+        <p:blipFill>
+          <a:blip r:embed="rId2"/>
+          <a:srcRect l="4657" r="6390"/>
+          <a:stretch/>
+        </p:blipFill>
+        <p:spPr>
+          <a:xfrm rot="5400000">
+            <a:off x="1188114" y="2004668"/>
+            <a:ext cx="4465318" cy="3869746"/>
+          </a:xfrm>
+        </p:spPr>
+      </p:pic>
+      <mc:AlternateContent xmlns:mc="http://schemas.openxmlformats.org/markup-compatibility/2006">
+        <mc:Choice xmlns:a14="http://schemas.microsoft.com/office/drawing/2010/main" Requires="a14">
+          <p:sp>
+            <p:nvSpPr>
+              <p:cNvPr id="4" name="Rezervirano mjesto sadržaja 3">
+                <a:extLst>
+                  <a:ext uri="{FF2B5EF4-FFF2-40B4-BE49-F238E27FC236}">
+                    <a16:creationId xmlns:a16="http://schemas.microsoft.com/office/drawing/2014/main" id="{8AAA9D2F-B4A8-DD7C-2615-D8959B1F8E58}"/>
+                  </a:ext>
+                </a:extLst>
+              </p:cNvPr>
+              <p:cNvSpPr>
+                <a:spLocks noGrp="1"/>
+              </p:cNvSpPr>
+              <p:nvPr>
+                <p:ph sz="half" idx="2"/>
+              </p:nvPr>
+            </p:nvSpPr>
+            <p:spPr/>
+            <p:txBody>
+              <a:bodyPr/>
+              <a:lstStyle/>
+              <a:p>
+                <a:r>
+                  <a:rPr lang="hr-HR" dirty="0"/>
+                  <a:t>Svaka zmija ima svoj kut </a:t>
+                </a:r>
+                <a14:m>
+                  <m:oMath xmlns:m="http://schemas.openxmlformats.org/officeDocument/2006/math">
+                    <m:r>
+                      <a:rPr lang="hr-HR" i="1" smtClean="0">
+                        <a:latin typeface="Cambria Math" panose="02040503050406030204" pitchFamily="18" charset="0"/>
+                        <a:ea typeface="Cambria Math" panose="02040503050406030204" pitchFamily="18" charset="0"/>
+                      </a:rPr>
+                      <m:t>𝜑</m:t>
+                    </m:r>
+                  </m:oMath>
+                </a14:m>
+                <a:r>
+                  <a:rPr lang="en-US" dirty="0"/>
+                  <a:t> </a:t>
+                </a:r>
+                <a:r>
+                  <a:rPr lang="hr-HR" dirty="0"/>
+                  <a:t>koji označava u kojem smjeru se kreće te brzinu </a:t>
+                </a:r>
+                <a14:m>
+                  <m:oMath xmlns:m="http://schemas.openxmlformats.org/officeDocument/2006/math">
+                    <m:r>
+                      <a:rPr lang="hr-HR" b="0" i="1" smtClean="0">
+                        <a:latin typeface="Cambria Math" panose="02040503050406030204" pitchFamily="18" charset="0"/>
+                      </a:rPr>
+                      <m:t>𝑠</m:t>
+                    </m:r>
+                  </m:oMath>
+                </a14:m>
+                <a:endParaRPr lang="hr-HR" dirty="0"/>
+              </a:p>
+              <a:p>
+                <a:r>
+                  <a:rPr lang="hr-HR" dirty="0"/>
+                  <a:t>Za sadašnje koordinate </a:t>
+                </a:r>
+                <a14:m>
+                  <m:oMath xmlns:m="http://schemas.openxmlformats.org/officeDocument/2006/math">
+                    <m:r>
+                      <a:rPr lang="hr-HR" b="0" i="1" smtClean="0">
+                        <a:latin typeface="Cambria Math" panose="02040503050406030204" pitchFamily="18" charset="0"/>
+                      </a:rPr>
+                      <m:t>(</m:t>
+                    </m:r>
+                    <m:r>
+                      <a:rPr lang="hr-HR" b="0" i="1" smtClean="0">
+                        <a:latin typeface="Cambria Math" panose="02040503050406030204" pitchFamily="18" charset="0"/>
+                      </a:rPr>
+                      <m:t>𝑥</m:t>
+                    </m:r>
+                    <m:r>
+                      <a:rPr lang="hr-HR" b="0" i="1" smtClean="0">
+                        <a:latin typeface="Cambria Math" panose="02040503050406030204" pitchFamily="18" charset="0"/>
+                      </a:rPr>
+                      <m:t>, </m:t>
+                    </m:r>
+                    <m:r>
+                      <a:rPr lang="hr-HR" b="0" i="1" smtClean="0">
+                        <a:latin typeface="Cambria Math" panose="02040503050406030204" pitchFamily="18" charset="0"/>
+                      </a:rPr>
+                      <m:t>𝑦</m:t>
+                    </m:r>
+                    <m:r>
+                      <a:rPr lang="hr-HR" b="0" i="1" smtClean="0">
+                        <a:latin typeface="Cambria Math" panose="02040503050406030204" pitchFamily="18" charset="0"/>
+                      </a:rPr>
+                      <m:t>)</m:t>
+                    </m:r>
+                  </m:oMath>
+                </a14:m>
+                <a:r>
+                  <a:rPr lang="hr-HR" dirty="0"/>
+                  <a:t> slijedeće koordinate </a:t>
+                </a:r>
+                <a14:m>
+                  <m:oMath xmlns:m="http://schemas.openxmlformats.org/officeDocument/2006/math">
+                    <m:r>
+                      <a:rPr lang="hr-HR" b="0" i="1" smtClean="0">
+                        <a:latin typeface="Cambria Math" panose="02040503050406030204" pitchFamily="18" charset="0"/>
+                      </a:rPr>
+                      <m:t>(</m:t>
+                    </m:r>
+                    <m:sSup>
+                      <m:sSupPr>
+                        <m:ctrlPr>
+                          <a:rPr lang="hr-HR" b="0" i="1" smtClean="0">
+                            <a:latin typeface="Cambria Math" panose="02040503050406030204" pitchFamily="18" charset="0"/>
+                          </a:rPr>
+                        </m:ctrlPr>
+                      </m:sSupPr>
+                      <m:e>
+                        <m:r>
+                          <a:rPr lang="hr-HR" b="0" i="1" smtClean="0">
+                            <a:latin typeface="Cambria Math" panose="02040503050406030204" pitchFamily="18" charset="0"/>
+                          </a:rPr>
+                          <m:t>𝑥</m:t>
+                        </m:r>
+                      </m:e>
+                      <m:sup>
+                        <m:r>
+                          <a:rPr lang="hr-HR" b="0" i="1" smtClean="0">
+                            <a:latin typeface="Cambria Math" panose="02040503050406030204" pitchFamily="18" charset="0"/>
+                          </a:rPr>
+                          <m:t>′</m:t>
+                        </m:r>
+                      </m:sup>
+                    </m:sSup>
+                    <m:r>
+                      <a:rPr lang="hr-HR" b="0" i="1" smtClean="0">
+                        <a:latin typeface="Cambria Math" panose="02040503050406030204" pitchFamily="18" charset="0"/>
+                      </a:rPr>
+                      <m:t>, </m:t>
+                    </m:r>
+                    <m:sSup>
+                      <m:sSupPr>
+                        <m:ctrlPr>
+                          <a:rPr lang="hr-HR" b="0" i="1" smtClean="0">
+                            <a:latin typeface="Cambria Math" panose="02040503050406030204" pitchFamily="18" charset="0"/>
+                          </a:rPr>
+                        </m:ctrlPr>
+                      </m:sSupPr>
+                      <m:e>
+                        <m:r>
+                          <a:rPr lang="hr-HR" b="0" i="1" smtClean="0">
+                            <a:latin typeface="Cambria Math" panose="02040503050406030204" pitchFamily="18" charset="0"/>
+                          </a:rPr>
+                          <m:t>𝑦</m:t>
+                        </m:r>
+                      </m:e>
+                      <m:sup>
+                        <m:r>
+                          <a:rPr lang="hr-HR" b="0" i="1" smtClean="0">
+                            <a:latin typeface="Cambria Math" panose="02040503050406030204" pitchFamily="18" charset="0"/>
+                          </a:rPr>
+                          <m:t>′</m:t>
+                        </m:r>
+                      </m:sup>
+                    </m:sSup>
+                    <m:r>
+                      <a:rPr lang="hr-HR" b="0" i="1" smtClean="0">
+                        <a:latin typeface="Cambria Math" panose="02040503050406030204" pitchFamily="18" charset="0"/>
+                      </a:rPr>
+                      <m:t>)</m:t>
+                    </m:r>
+                  </m:oMath>
+                </a14:m>
+                <a:r>
+                  <a:rPr lang="hr-HR" dirty="0"/>
+                  <a:t> se računaju po formulama:</a:t>
+                </a:r>
+              </a:p>
+              <a:p>
+                <a14:m>
+                  <m:oMath xmlns:m="http://schemas.openxmlformats.org/officeDocument/2006/math">
+                    <m:sSup>
+                      <m:sSupPr>
+                        <m:ctrlPr>
+                          <a:rPr lang="hr-HR" b="0" i="1" smtClean="0">
+                            <a:latin typeface="Cambria Math" panose="02040503050406030204" pitchFamily="18" charset="0"/>
+                          </a:rPr>
+                        </m:ctrlPr>
+                      </m:sSupPr>
+                      <m:e>
+                        <m:r>
+                          <a:rPr lang="hr-HR" b="0" i="1" smtClean="0">
+                            <a:latin typeface="Cambria Math" panose="02040503050406030204" pitchFamily="18" charset="0"/>
+                          </a:rPr>
+                          <m:t>𝑥</m:t>
+                        </m:r>
+                      </m:e>
+                      <m:sup>
+                        <m:r>
+                          <a:rPr lang="hr-HR" b="0" i="1" smtClean="0">
+                            <a:latin typeface="Cambria Math" panose="02040503050406030204" pitchFamily="18" charset="0"/>
+                          </a:rPr>
+                          <m:t>′</m:t>
+                        </m:r>
+                      </m:sup>
+                    </m:sSup>
+                    <m:r>
+                      <a:rPr lang="hr-HR" b="0" i="1" smtClean="0">
+                        <a:latin typeface="Cambria Math" panose="02040503050406030204" pitchFamily="18" charset="0"/>
+                      </a:rPr>
+                      <m:t>=</m:t>
+                    </m:r>
+                    <m:r>
+                      <a:rPr lang="hr-HR" b="0" i="1" smtClean="0">
+                        <a:latin typeface="Cambria Math" panose="02040503050406030204" pitchFamily="18" charset="0"/>
+                      </a:rPr>
+                      <m:t>𝑥</m:t>
+                    </m:r>
+                    <m:r>
+                      <a:rPr lang="hr-HR" b="0" i="1" smtClean="0">
+                        <a:latin typeface="Cambria Math" panose="02040503050406030204" pitchFamily="18" charset="0"/>
+                      </a:rPr>
+                      <m:t>+</m:t>
+                    </m:r>
+                    <m:r>
+                      <a:rPr lang="hr-HR" b="0" i="1" smtClean="0">
+                        <a:latin typeface="Cambria Math" panose="02040503050406030204" pitchFamily="18" charset="0"/>
+                      </a:rPr>
+                      <m:t>𝑠</m:t>
+                    </m:r>
+                    <m:r>
+                      <a:rPr lang="hr-HR" b="0" i="0" smtClean="0">
+                        <a:latin typeface="Cambria Math" panose="02040503050406030204" pitchFamily="18" charset="0"/>
+                      </a:rPr>
+                      <m:t> </m:t>
+                    </m:r>
+                    <m:r>
+                      <m:rPr>
+                        <m:sty m:val="p"/>
+                      </m:rPr>
+                      <a:rPr lang="hr-HR" b="0" i="0" smtClean="0">
+                        <a:latin typeface="Cambria Math" panose="02040503050406030204" pitchFamily="18" charset="0"/>
+                      </a:rPr>
+                      <m:t>cos</m:t>
+                    </m:r>
+                    <m:r>
+                      <a:rPr lang="hr-HR" b="0" i="0" smtClean="0">
+                        <a:latin typeface="Cambria Math" panose="02040503050406030204" pitchFamily="18" charset="0"/>
+                      </a:rPr>
+                      <m:t>(</m:t>
+                    </m:r>
+                    <m:r>
+                      <m:rPr>
+                        <m:sty m:val="p"/>
+                      </m:rPr>
+                      <a:rPr lang="el-GR" b="0" i="1" smtClean="0">
+                        <a:latin typeface="Cambria Math" panose="02040503050406030204" pitchFamily="18" charset="0"/>
+                        <a:ea typeface="Cambria Math" panose="02040503050406030204" pitchFamily="18" charset="0"/>
+                      </a:rPr>
+                      <m:t>φ</m:t>
+                    </m:r>
+                    <m:r>
+                      <a:rPr lang="hr-HR" b="0" i="1" smtClean="0">
+                        <a:latin typeface="Cambria Math" panose="02040503050406030204" pitchFamily="18" charset="0"/>
+                        <a:ea typeface="Cambria Math" panose="02040503050406030204" pitchFamily="18" charset="0"/>
+                      </a:rPr>
+                      <m:t>)</m:t>
+                    </m:r>
+                  </m:oMath>
+                </a14:m>
+                <a:endParaRPr lang="hr-HR" dirty="0"/>
+              </a:p>
+              <a:p>
+                <a14:m>
+                  <m:oMath xmlns:m="http://schemas.openxmlformats.org/officeDocument/2006/math">
+                    <m:sSup>
+                      <m:sSupPr>
+                        <m:ctrlPr>
+                          <a:rPr lang="hr-HR" b="0" i="1" smtClean="0">
+                            <a:latin typeface="Cambria Math" panose="02040503050406030204" pitchFamily="18" charset="0"/>
+                          </a:rPr>
+                        </m:ctrlPr>
+                      </m:sSupPr>
+                      <m:e>
+                        <m:r>
+                          <a:rPr lang="hr-HR" b="0" i="1" smtClean="0">
+                            <a:latin typeface="Cambria Math" panose="02040503050406030204" pitchFamily="18" charset="0"/>
+                          </a:rPr>
+                          <m:t>𝑦</m:t>
+                        </m:r>
+                      </m:e>
+                      <m:sup>
+                        <m:r>
+                          <a:rPr lang="hr-HR" b="0" i="1" smtClean="0">
+                            <a:latin typeface="Cambria Math" panose="02040503050406030204" pitchFamily="18" charset="0"/>
+                          </a:rPr>
+                          <m:t>′</m:t>
+                        </m:r>
+                      </m:sup>
+                    </m:sSup>
+                    <m:r>
+                      <a:rPr lang="hr-HR" b="0" i="1" smtClean="0">
+                        <a:latin typeface="Cambria Math" panose="02040503050406030204" pitchFamily="18" charset="0"/>
+                      </a:rPr>
+                      <m:t>=</m:t>
+                    </m:r>
+                    <m:r>
+                      <a:rPr lang="hr-HR" b="0" i="1" smtClean="0">
+                        <a:latin typeface="Cambria Math" panose="02040503050406030204" pitchFamily="18" charset="0"/>
+                      </a:rPr>
+                      <m:t>𝑦</m:t>
+                    </m:r>
+                    <m:r>
+                      <a:rPr lang="hr-HR" b="0" i="1" smtClean="0">
+                        <a:latin typeface="Cambria Math" panose="02040503050406030204" pitchFamily="18" charset="0"/>
+                      </a:rPr>
+                      <m:t>+</m:t>
+                    </m:r>
+                    <m:r>
+                      <a:rPr lang="hr-HR" b="0" i="1" smtClean="0">
+                        <a:latin typeface="Cambria Math" panose="02040503050406030204" pitchFamily="18" charset="0"/>
+                      </a:rPr>
+                      <m:t>𝑠</m:t>
+                    </m:r>
+                    <m:r>
+                      <a:rPr lang="hr-HR" b="0" i="0" smtClean="0">
+                        <a:latin typeface="Cambria Math" panose="02040503050406030204" pitchFamily="18" charset="0"/>
+                      </a:rPr>
+                      <m:t> </m:t>
+                    </m:r>
+                    <m:r>
+                      <m:rPr>
+                        <m:sty m:val="p"/>
+                      </m:rPr>
+                      <a:rPr lang="hr-HR" b="0" i="0" smtClean="0">
+                        <a:latin typeface="Cambria Math" panose="02040503050406030204" pitchFamily="18" charset="0"/>
+                      </a:rPr>
+                      <m:t>sin</m:t>
+                    </m:r>
+                    <m:r>
+                      <a:rPr lang="hr-HR" b="0" i="0" smtClean="0">
+                        <a:latin typeface="Cambria Math" panose="02040503050406030204" pitchFamily="18" charset="0"/>
+                      </a:rPr>
+                      <m:t>(</m:t>
+                    </m:r>
+                    <m:r>
+                      <m:rPr>
+                        <m:sty m:val="p"/>
+                      </m:rPr>
+                      <a:rPr lang="el-GR" b="0" i="1" smtClean="0">
+                        <a:latin typeface="Cambria Math" panose="02040503050406030204" pitchFamily="18" charset="0"/>
+                        <a:ea typeface="Cambria Math" panose="02040503050406030204" pitchFamily="18" charset="0"/>
+                      </a:rPr>
+                      <m:t>φ</m:t>
+                    </m:r>
+                    <m:r>
+                      <a:rPr lang="hr-HR" b="0" i="1" smtClean="0">
+                        <a:latin typeface="Cambria Math" panose="02040503050406030204" pitchFamily="18" charset="0"/>
+                        <a:ea typeface="Cambria Math" panose="02040503050406030204" pitchFamily="18" charset="0"/>
+                      </a:rPr>
+                      <m:t>)</m:t>
+                    </m:r>
+                  </m:oMath>
+                </a14:m>
+                <a:endParaRPr lang="hr-HR" dirty="0"/>
+              </a:p>
+            </p:txBody>
+          </p:sp>
+        </mc:Choice>
+        <mc:Fallback>
+          <p:sp>
+            <p:nvSpPr>
+              <p:cNvPr id="4" name="Rezervirano mjesto sadržaja 3">
+                <a:extLst>
+                  <a:ext uri="{FF2B5EF4-FFF2-40B4-BE49-F238E27FC236}">
+                    <a16:creationId xmlns:a16="http://schemas.microsoft.com/office/drawing/2014/main" id="{8AAA9D2F-B4A8-DD7C-2615-D8959B1F8E58}"/>
+                  </a:ext>
+                </a:extLst>
+              </p:cNvPr>
+              <p:cNvSpPr>
+                <a:spLocks noGrp="1" noRot="1" noChangeAspect="1" noMove="1" noResize="1" noEditPoints="1" noAdjustHandles="1" noChangeArrowheads="1" noChangeShapeType="1" noTextEdit="1"/>
+              </p:cNvSpPr>
+              <p:nvPr>
+                <p:ph sz="half" idx="2"/>
+              </p:nvPr>
+            </p:nvSpPr>
+            <p:spPr>
+              <a:blipFill>
+                <a:blip r:embed="rId3"/>
+                <a:stretch>
+                  <a:fillRect l="-1559" t="-1910" r="-1559"/>
+                </a:stretch>
+              </a:blipFill>
+            </p:spPr>
+            <p:txBody>
+              <a:bodyPr/>
+              <a:lstStyle/>
+              <a:p>
+                <a:r>
+                  <a:rPr lang="hr-HR">
+                    <a:noFill/>
+                  </a:rPr>
+                  <a:t> </a:t>
+                </a:r>
+              </a:p>
+            </p:txBody>
+          </p:sp>
+        </mc:Fallback>
+      </mc:AlternateContent>
+      <p:sp>
+        <p:nvSpPr>
+          <p:cNvPr id="8" name="Elipsa 7">
+            <a:extLst>
+              <a:ext uri="{FF2B5EF4-FFF2-40B4-BE49-F238E27FC236}">
+                <a16:creationId xmlns:a16="http://schemas.microsoft.com/office/drawing/2014/main" id="{801FDF09-D3B4-9E4F-B0C4-44A1ACDE94C6}"/>
+              </a:ext>
+            </a:extLst>
+          </p:cNvPr>
+          <p:cNvSpPr/>
+          <p:nvPr/>
+        </p:nvSpPr>
+        <p:spPr>
+          <a:xfrm>
+            <a:off x="2683879" y="2697059"/>
+            <a:ext cx="2088232" cy="2088232"/>
+          </a:xfrm>
+          <a:prstGeom prst="ellipse">
+            <a:avLst/>
+          </a:prstGeom>
+          <a:solidFill>
+            <a:schemeClr val="accent1">
+              <a:alpha val="15000"/>
+            </a:schemeClr>
+          </a:solidFill>
+        </p:spPr>
+        <p:style>
+          <a:lnRef idx="2">
+            <a:schemeClr val="accent1">
+              <a:shade val="50000"/>
+            </a:schemeClr>
+          </a:lnRef>
+          <a:fillRef idx="1">
+            <a:schemeClr val="accent1"/>
+          </a:fillRef>
+          <a:effectRef idx="0">
+            <a:schemeClr val="accent1"/>
+          </a:effectRef>
+          <a:fontRef idx="minor">
+            <a:schemeClr val="lt1"/>
+          </a:fontRef>
+        </p:style>
+        <p:txBody>
+          <a:bodyPr rtlCol="0" anchor="ctr"/>
+          <a:lstStyle/>
+          <a:p>
+            <a:pPr algn="ctr"/>
+            <a:endParaRPr lang="hr-HR" sz="2800"/>
+          </a:p>
+        </p:txBody>
+      </p:sp>
+      <p:cxnSp>
+        <p:nvCxnSpPr>
+          <p:cNvPr id="10" name="Ravni poveznik 9">
+            <a:extLst>
+              <a:ext uri="{FF2B5EF4-FFF2-40B4-BE49-F238E27FC236}">
+                <a16:creationId xmlns:a16="http://schemas.microsoft.com/office/drawing/2014/main" id="{4EF25DAA-C20D-176F-B159-B8CB5290E2BE}"/>
+              </a:ext>
+            </a:extLst>
+          </p:cNvPr>
+          <p:cNvCxnSpPr>
+            <a:stCxn id="8" idx="2"/>
+            <a:endCxn id="8" idx="6"/>
+          </p:cNvCxnSpPr>
+          <p:nvPr/>
+        </p:nvCxnSpPr>
+        <p:spPr>
+          <a:xfrm>
+            <a:off x="2683879" y="3741175"/>
+            <a:ext cx="2088232" cy="0"/>
+          </a:xfrm>
+          <a:prstGeom prst="line">
+            <a:avLst/>
+          </a:prstGeom>
+          <a:ln w="25400">
+            <a:solidFill>
+              <a:schemeClr val="accent1">
+                <a:alpha val="10000"/>
+              </a:schemeClr>
+            </a:solidFill>
+          </a:ln>
+        </p:spPr>
+        <p:style>
+          <a:lnRef idx="1">
+            <a:schemeClr val="accent1"/>
+          </a:lnRef>
+          <a:fillRef idx="0">
+            <a:schemeClr val="accent1"/>
+          </a:fillRef>
+          <a:effectRef idx="0">
+            <a:schemeClr val="accent1"/>
+          </a:effectRef>
+          <a:fontRef idx="minor">
+            <a:schemeClr val="tx1"/>
+          </a:fontRef>
+        </p:style>
+      </p:cxnSp>
+      <p:cxnSp>
+        <p:nvCxnSpPr>
+          <p:cNvPr id="12" name="Ravni poveznik 11">
+            <a:extLst>
+              <a:ext uri="{FF2B5EF4-FFF2-40B4-BE49-F238E27FC236}">
+                <a16:creationId xmlns:a16="http://schemas.microsoft.com/office/drawing/2014/main" id="{1A845634-26C6-253E-A998-20462060FDDC}"/>
+              </a:ext>
+            </a:extLst>
+          </p:cNvPr>
+          <p:cNvCxnSpPr>
+            <a:stCxn id="8" idx="0"/>
+          </p:cNvCxnSpPr>
+          <p:nvPr/>
+        </p:nvCxnSpPr>
+        <p:spPr>
+          <a:xfrm>
+            <a:off x="3727995" y="2697059"/>
+            <a:ext cx="0" cy="2088232"/>
+          </a:xfrm>
+          <a:prstGeom prst="line">
+            <a:avLst/>
+          </a:prstGeom>
+          <a:ln w="25400">
+            <a:solidFill>
+              <a:schemeClr val="accent1">
+                <a:alpha val="10000"/>
+              </a:schemeClr>
+            </a:solidFill>
+          </a:ln>
+        </p:spPr>
+        <p:style>
+          <a:lnRef idx="1">
+            <a:schemeClr val="accent1"/>
+          </a:lnRef>
+          <a:fillRef idx="0">
+            <a:schemeClr val="accent1"/>
+          </a:fillRef>
+          <a:effectRef idx="0">
+            <a:schemeClr val="accent1"/>
+          </a:effectRef>
+          <a:fontRef idx="minor">
+            <a:schemeClr val="tx1"/>
+          </a:fontRef>
+        </p:style>
+      </p:cxnSp>
+      <p:cxnSp>
+        <p:nvCxnSpPr>
+          <p:cNvPr id="17" name="Ravni poveznik sa strelicom 16">
+            <a:extLst>
+              <a:ext uri="{FF2B5EF4-FFF2-40B4-BE49-F238E27FC236}">
+                <a16:creationId xmlns:a16="http://schemas.microsoft.com/office/drawing/2014/main" id="{2743D985-2999-08B4-C2D1-44218835E961}"/>
+              </a:ext>
+            </a:extLst>
+          </p:cNvPr>
+          <p:cNvCxnSpPr>
+            <a:cxnSpLocks/>
+          </p:cNvCxnSpPr>
+          <p:nvPr/>
+        </p:nvCxnSpPr>
+        <p:spPr>
+          <a:xfrm>
+            <a:off x="3739000" y="3741175"/>
+            <a:ext cx="875302" cy="551921"/>
+          </a:xfrm>
+          <a:prstGeom prst="straightConnector1">
+            <a:avLst/>
+          </a:prstGeom>
+          <a:ln w="25400">
+            <a:tailEnd type="triangle"/>
+          </a:ln>
+        </p:spPr>
+        <p:style>
+          <a:lnRef idx="1">
+            <a:schemeClr val="accent1"/>
+          </a:lnRef>
+          <a:fillRef idx="0">
+            <a:schemeClr val="accent1"/>
+          </a:fillRef>
+          <a:effectRef idx="0">
+            <a:schemeClr val="accent1"/>
+          </a:effectRef>
+          <a:fontRef idx="minor">
+            <a:schemeClr val="tx1"/>
+          </a:fontRef>
+        </p:style>
+      </p:cxnSp>
+      <p:sp>
+        <p:nvSpPr>
+          <p:cNvPr id="26" name="Luk 25">
+            <a:extLst>
+              <a:ext uri="{FF2B5EF4-FFF2-40B4-BE49-F238E27FC236}">
+                <a16:creationId xmlns:a16="http://schemas.microsoft.com/office/drawing/2014/main" id="{906C2E58-E2E7-43DA-83A0-6688D30682BD}"/>
+              </a:ext>
+            </a:extLst>
+          </p:cNvPr>
+          <p:cNvSpPr/>
+          <p:nvPr/>
+        </p:nvSpPr>
+        <p:spPr>
+          <a:xfrm rot="5400000">
+            <a:off x="3245369" y="3248979"/>
+            <a:ext cx="1192855" cy="1192855"/>
+          </a:xfrm>
+          <a:prstGeom prst="arc">
+            <a:avLst>
+              <a:gd name="adj1" fmla="val 15654721"/>
+              <a:gd name="adj2" fmla="val 18057057"/>
+            </a:avLst>
+          </a:prstGeom>
+          <a:ln w="25400"/>
+        </p:spPr>
+        <p:style>
+          <a:lnRef idx="1">
+            <a:schemeClr val="accent1"/>
+          </a:lnRef>
+          <a:fillRef idx="0">
+            <a:schemeClr val="accent1"/>
+          </a:fillRef>
+          <a:effectRef idx="0">
+            <a:schemeClr val="accent1"/>
+          </a:effectRef>
+          <a:fontRef idx="minor">
+            <a:schemeClr val="tx1"/>
+          </a:fontRef>
+        </p:style>
+        <p:txBody>
+          <a:bodyPr rtlCol="0" anchor="ctr"/>
+          <a:lstStyle/>
+          <a:p>
+            <a:pPr algn="ctr"/>
+            <a:endParaRPr lang="hr-HR"/>
+          </a:p>
+        </p:txBody>
+      </p:sp>
+      <mc:AlternateContent xmlns:mc="http://schemas.openxmlformats.org/markup-compatibility/2006">
+        <mc:Choice xmlns:a14="http://schemas.microsoft.com/office/drawing/2010/main" Requires="a14">
+          <p:sp>
+            <p:nvSpPr>
+              <p:cNvPr id="28" name="TekstniOkvir 27">
+                <a:extLst>
+                  <a:ext uri="{FF2B5EF4-FFF2-40B4-BE49-F238E27FC236}">
+                    <a16:creationId xmlns:a16="http://schemas.microsoft.com/office/drawing/2014/main" id="{7B84B259-AB3A-034E-98F0-6DC6B7BB50D1}"/>
+                  </a:ext>
+                </a:extLst>
+              </p:cNvPr>
+              <p:cNvSpPr txBox="1"/>
+              <p:nvPr/>
+            </p:nvSpPr>
+            <p:spPr>
+              <a:xfrm>
+                <a:off x="4061143" y="3741174"/>
+                <a:ext cx="293576" cy="215444"/>
+              </a:xfrm>
+              <a:prstGeom prst="rect">
+                <a:avLst/>
+              </a:prstGeom>
+              <a:noFill/>
+            </p:spPr>
+            <p:txBody>
+              <a:bodyPr wrap="square" lIns="0" tIns="0" rIns="0" bIns="0" rtlCol="0">
+                <a:spAutoFit/>
+              </a:bodyPr>
+              <a:lstStyle/>
+              <a:p>
+                <a14:m>
+                  <m:oMathPara xmlns:m="http://schemas.openxmlformats.org/officeDocument/2006/math">
+                    <m:oMathParaPr>
+                      <m:jc m:val="centerGroup"/>
+                    </m:oMathParaPr>
+                    <m:oMath xmlns:m="http://schemas.openxmlformats.org/officeDocument/2006/math">
+                      <m:r>
+                        <a:rPr lang="en-US" sz="1400" b="0" i="1" smtClean="0">
+                          <a:latin typeface="Cambria Math" panose="02040503050406030204" pitchFamily="18" charset="0"/>
+                          <a:ea typeface="Cambria Math" panose="02040503050406030204" pitchFamily="18" charset="0"/>
+                        </a:rPr>
+                        <m:t>𝜑</m:t>
+                      </m:r>
+                    </m:oMath>
+                  </m:oMathPara>
+                </a14:m>
+                <a:endParaRPr lang="hr-HR" sz="1400" dirty="0"/>
+              </a:p>
+            </p:txBody>
+          </p:sp>
+        </mc:Choice>
+        <mc:Fallback>
+          <p:sp>
+            <p:nvSpPr>
+              <p:cNvPr id="28" name="TekstniOkvir 27">
+                <a:extLst>
+                  <a:ext uri="{FF2B5EF4-FFF2-40B4-BE49-F238E27FC236}">
+                    <a16:creationId xmlns:a16="http://schemas.microsoft.com/office/drawing/2014/main" id="{7B84B259-AB3A-034E-98F0-6DC6B7BB50D1}"/>
+                  </a:ext>
+                </a:extLst>
+              </p:cNvPr>
+              <p:cNvSpPr txBox="1">
+                <a:spLocks noRot="1" noChangeAspect="1" noMove="1" noResize="1" noEditPoints="1" noAdjustHandles="1" noChangeArrowheads="1" noChangeShapeType="1" noTextEdit="1"/>
+              </p:cNvSpPr>
+              <p:nvPr/>
+            </p:nvSpPr>
+            <p:spPr>
+              <a:xfrm>
+                <a:off x="4061143" y="3741174"/>
+                <a:ext cx="293576" cy="215444"/>
+              </a:xfrm>
+              <a:prstGeom prst="rect">
+                <a:avLst/>
+              </a:prstGeom>
+              <a:blipFill>
+                <a:blip r:embed="rId4"/>
+                <a:stretch>
+                  <a:fillRect b="-22857"/>
+                </a:stretch>
+              </a:blipFill>
+            </p:spPr>
+            <p:txBody>
+              <a:bodyPr/>
+              <a:lstStyle/>
+              <a:p>
+                <a:r>
+                  <a:rPr lang="hr-HR">
+                    <a:noFill/>
+                  </a:rPr>
+                  <a:t> </a:t>
+                </a:r>
+              </a:p>
+            </p:txBody>
+          </p:sp>
+        </mc:Fallback>
+      </mc:AlternateContent>
+      <p:cxnSp>
+        <p:nvCxnSpPr>
+          <p:cNvPr id="30" name="Ravni poveznik sa strelicom 29">
+            <a:extLst>
+              <a:ext uri="{FF2B5EF4-FFF2-40B4-BE49-F238E27FC236}">
+                <a16:creationId xmlns:a16="http://schemas.microsoft.com/office/drawing/2014/main" id="{5D8F160A-0890-5FEC-AD12-B805CDB12A57}"/>
+              </a:ext>
+            </a:extLst>
+          </p:cNvPr>
+          <p:cNvCxnSpPr/>
+          <p:nvPr/>
+        </p:nvCxnSpPr>
+        <p:spPr>
+          <a:xfrm>
+            <a:off x="3739000" y="3741174"/>
+            <a:ext cx="1616646" cy="0"/>
+          </a:xfrm>
+          <a:prstGeom prst="straightConnector1">
+            <a:avLst/>
+          </a:prstGeom>
+          <a:ln>
+            <a:solidFill>
+              <a:schemeClr val="accent5">
+                <a:alpha val="40000"/>
+              </a:schemeClr>
+            </a:solidFill>
+            <a:tailEnd type="triangle"/>
+          </a:ln>
+        </p:spPr>
+        <p:style>
+          <a:lnRef idx="3">
+            <a:schemeClr val="accent5"/>
+          </a:lnRef>
+          <a:fillRef idx="0">
+            <a:schemeClr val="accent5"/>
+          </a:fillRef>
+          <a:effectRef idx="2">
+            <a:schemeClr val="accent5"/>
+          </a:effectRef>
+          <a:fontRef idx="minor">
+            <a:schemeClr val="tx1"/>
+          </a:fontRef>
+        </p:style>
+      </p:cxnSp>
+      <p:cxnSp>
+        <p:nvCxnSpPr>
+          <p:cNvPr id="31" name="Ravni poveznik sa strelicom 30">
+            <a:extLst>
+              <a:ext uri="{FF2B5EF4-FFF2-40B4-BE49-F238E27FC236}">
+                <a16:creationId xmlns:a16="http://schemas.microsoft.com/office/drawing/2014/main" id="{FA7604D0-400E-0C0E-7FAD-3F0D5E94E3D7}"/>
+              </a:ext>
+            </a:extLst>
+          </p:cNvPr>
+          <p:cNvCxnSpPr>
+            <a:cxnSpLocks/>
+          </p:cNvCxnSpPr>
+          <p:nvPr/>
+        </p:nvCxnSpPr>
+        <p:spPr>
+          <a:xfrm flipH="1">
+            <a:off x="3727256" y="3741173"/>
+            <a:ext cx="11744" cy="2088233"/>
+          </a:xfrm>
+          <a:prstGeom prst="straightConnector1">
+            <a:avLst/>
+          </a:prstGeom>
+          <a:ln>
+            <a:solidFill>
+              <a:schemeClr val="accent5">
+                <a:alpha val="40000"/>
+              </a:schemeClr>
+            </a:solidFill>
+            <a:tailEnd type="triangle"/>
+          </a:ln>
+        </p:spPr>
+        <p:style>
+          <a:lnRef idx="3">
+            <a:schemeClr val="accent5"/>
+          </a:lnRef>
+          <a:fillRef idx="0">
+            <a:schemeClr val="accent5"/>
+          </a:fillRef>
+          <a:effectRef idx="2">
+            <a:schemeClr val="accent5"/>
+          </a:effectRef>
+          <a:fontRef idx="minor">
+            <a:schemeClr val="tx1"/>
+          </a:fontRef>
+        </p:style>
+      </p:cxnSp>
+      <mc:AlternateContent xmlns:mc="http://schemas.openxmlformats.org/markup-compatibility/2006">
+        <mc:Choice xmlns:a14="http://schemas.microsoft.com/office/drawing/2010/main" Requires="a14">
+          <p:sp>
+            <p:nvSpPr>
+              <p:cNvPr id="37" name="TekstniOkvir 36">
+                <a:extLst>
+                  <a:ext uri="{FF2B5EF4-FFF2-40B4-BE49-F238E27FC236}">
+                    <a16:creationId xmlns:a16="http://schemas.microsoft.com/office/drawing/2014/main" id="{2EDECACF-7CE7-8E1D-D331-97EEA1BC3AC4}"/>
+                  </a:ext>
+                </a:extLst>
+              </p:cNvPr>
+              <p:cNvSpPr txBox="1"/>
+              <p:nvPr/>
+            </p:nvSpPr>
+            <p:spPr>
+              <a:xfrm>
+                <a:off x="5039127" y="3494952"/>
+                <a:ext cx="161711" cy="246221"/>
+              </a:xfrm>
+              <a:prstGeom prst="rect">
+                <a:avLst/>
+              </a:prstGeom>
+              <a:noFill/>
+            </p:spPr>
+            <p:txBody>
+              <a:bodyPr wrap="none" lIns="0" tIns="0" rIns="0" bIns="0" rtlCol="0">
+                <a:spAutoFit/>
+              </a:bodyPr>
+              <a:lstStyle/>
+              <a:p>
+                <a14:m>
+                  <m:oMathPara xmlns:m="http://schemas.openxmlformats.org/officeDocument/2006/math">
+                    <m:oMathParaPr>
+                      <m:jc m:val="centerGroup"/>
+                    </m:oMathParaPr>
+                    <m:oMath xmlns:m="http://schemas.openxmlformats.org/officeDocument/2006/math">
+                      <m:r>
+                        <a:rPr lang="en-US" sz="1600" b="0" i="1" smtClean="0">
+                          <a:latin typeface="Cambria Math" panose="02040503050406030204" pitchFamily="18" charset="0"/>
+                        </a:rPr>
+                        <m:t>𝑥</m:t>
+                      </m:r>
+                    </m:oMath>
+                  </m:oMathPara>
+                </a14:m>
+                <a:endParaRPr lang="hr-HR" sz="1600" dirty="0"/>
+              </a:p>
+            </p:txBody>
+          </p:sp>
+        </mc:Choice>
+        <mc:Fallback>
+          <p:sp>
+            <p:nvSpPr>
+              <p:cNvPr id="37" name="TekstniOkvir 36">
+                <a:extLst>
+                  <a:ext uri="{FF2B5EF4-FFF2-40B4-BE49-F238E27FC236}">
+                    <a16:creationId xmlns:a16="http://schemas.microsoft.com/office/drawing/2014/main" id="{2EDECACF-7CE7-8E1D-D331-97EEA1BC3AC4}"/>
+                  </a:ext>
+                </a:extLst>
+              </p:cNvPr>
+              <p:cNvSpPr txBox="1">
+                <a:spLocks noRot="1" noChangeAspect="1" noMove="1" noResize="1" noEditPoints="1" noAdjustHandles="1" noChangeArrowheads="1" noChangeShapeType="1" noTextEdit="1"/>
+              </p:cNvSpPr>
+              <p:nvPr/>
+            </p:nvSpPr>
+            <p:spPr>
+              <a:xfrm>
+                <a:off x="5039127" y="3494952"/>
+                <a:ext cx="161711" cy="246221"/>
+              </a:xfrm>
+              <a:prstGeom prst="rect">
+                <a:avLst/>
+              </a:prstGeom>
+              <a:blipFill>
+                <a:blip r:embed="rId5"/>
+                <a:stretch>
+                  <a:fillRect l="-19231" r="-15385"/>
+                </a:stretch>
+              </a:blipFill>
+            </p:spPr>
+            <p:txBody>
+              <a:bodyPr/>
+              <a:lstStyle/>
+              <a:p>
+                <a:r>
+                  <a:rPr lang="hr-HR">
+                    <a:noFill/>
+                  </a:rPr>
+                  <a:t> </a:t>
+                </a:r>
+              </a:p>
+            </p:txBody>
+          </p:sp>
+        </mc:Fallback>
+      </mc:AlternateContent>
+      <mc:AlternateContent xmlns:mc="http://schemas.openxmlformats.org/markup-compatibility/2006">
+        <mc:Choice xmlns:a14="http://schemas.microsoft.com/office/drawing/2010/main" Requires="a14">
+          <p:sp>
+            <p:nvSpPr>
+              <p:cNvPr id="38" name="TekstniOkvir 37">
+                <a:extLst>
+                  <a:ext uri="{FF2B5EF4-FFF2-40B4-BE49-F238E27FC236}">
+                    <a16:creationId xmlns:a16="http://schemas.microsoft.com/office/drawing/2014/main" id="{896A5082-8396-89E8-466D-41E4F54B5284}"/>
+                  </a:ext>
+                </a:extLst>
+              </p:cNvPr>
+              <p:cNvSpPr txBox="1"/>
+              <p:nvPr/>
+            </p:nvSpPr>
+            <p:spPr>
+              <a:xfrm>
+                <a:off x="3798094" y="5320532"/>
+                <a:ext cx="165430" cy="246221"/>
+              </a:xfrm>
+              <a:prstGeom prst="rect">
+                <a:avLst/>
+              </a:prstGeom>
+              <a:noFill/>
+            </p:spPr>
+            <p:txBody>
+              <a:bodyPr wrap="none" lIns="0" tIns="0" rIns="0" bIns="0" rtlCol="0">
+                <a:spAutoFit/>
+              </a:bodyPr>
+              <a:lstStyle/>
+              <a:p>
+                <a14:m>
+                  <m:oMathPara xmlns:m="http://schemas.openxmlformats.org/officeDocument/2006/math">
+                    <m:oMathParaPr>
+                      <m:jc m:val="centerGroup"/>
+                    </m:oMathParaPr>
+                    <m:oMath xmlns:m="http://schemas.openxmlformats.org/officeDocument/2006/math">
+                      <m:r>
+                        <a:rPr lang="en-US" sz="1600" b="0" i="1" smtClean="0">
+                          <a:latin typeface="Cambria Math" panose="02040503050406030204" pitchFamily="18" charset="0"/>
+                        </a:rPr>
+                        <m:t>𝑦</m:t>
+                      </m:r>
+                    </m:oMath>
+                  </m:oMathPara>
+                </a14:m>
+                <a:endParaRPr lang="hr-HR" sz="1600" dirty="0"/>
+              </a:p>
+            </p:txBody>
+          </p:sp>
+        </mc:Choice>
+        <mc:Fallback>
+          <p:sp>
+            <p:nvSpPr>
+              <p:cNvPr id="38" name="TekstniOkvir 37">
+                <a:extLst>
+                  <a:ext uri="{FF2B5EF4-FFF2-40B4-BE49-F238E27FC236}">
+                    <a16:creationId xmlns:a16="http://schemas.microsoft.com/office/drawing/2014/main" id="{896A5082-8396-89E8-466D-41E4F54B5284}"/>
+                  </a:ext>
+                </a:extLst>
+              </p:cNvPr>
+              <p:cNvSpPr txBox="1">
+                <a:spLocks noRot="1" noChangeAspect="1" noMove="1" noResize="1" noEditPoints="1" noAdjustHandles="1" noChangeArrowheads="1" noChangeShapeType="1" noTextEdit="1"/>
+              </p:cNvSpPr>
+              <p:nvPr/>
+            </p:nvSpPr>
+            <p:spPr>
+              <a:xfrm>
+                <a:off x="3798094" y="5320532"/>
+                <a:ext cx="165430" cy="246221"/>
+              </a:xfrm>
+              <a:prstGeom prst="rect">
+                <a:avLst/>
+              </a:prstGeom>
+              <a:blipFill>
+                <a:blip r:embed="rId6"/>
+                <a:stretch>
+                  <a:fillRect l="-29630" r="-25926" b="-25000"/>
+                </a:stretch>
+              </a:blipFill>
+            </p:spPr>
+            <p:txBody>
+              <a:bodyPr/>
+              <a:lstStyle/>
+              <a:p>
+                <a:r>
+                  <a:rPr lang="hr-HR">
+                    <a:noFill/>
+                  </a:rPr>
+                  <a:t> </a:t>
+                </a:r>
+              </a:p>
+            </p:txBody>
+          </p:sp>
+        </mc:Fallback>
+      </mc:AlternateContent>
+    </p:spTree>
+    <p:extLst>
+      <p:ext uri="{BB962C8B-B14F-4D97-AF65-F5344CB8AC3E}">
+        <p14:creationId xmlns:p14="http://schemas.microsoft.com/office/powerpoint/2010/main" val="7729987"/>
+      </p:ext>
+    </p:extLst>
+  </p:cSld>
+  <p:clrMapOvr>
+    <a:masterClrMapping/>
+  </p:clrMapOvr>
+  <mc:AlternateContent xmlns:mc="http://schemas.openxmlformats.org/markup-compatibility/2006" xmlns:p14="http://schemas.microsoft.com/office/powerpoint/2010/main">
+    <mc:Choice Requires="p14">
+      <p:transition spd="med" p14:dur="700">
+        <p:fade/>
+      </p:transition>
+    </mc:Choice>
+    <mc:Fallback xmlns="">
+      <p:transition spd="med">
+        <p:fade/>
+      </p:transition>
+    </mc:Fallback>
+  </mc:AlternateContent>
+</p:sld>
+</file>
+
+<file path=ppt/slides/slide19.xml><?xml version="1.0" encoding="utf-8"?>
+<p:sld xmlns:a="http://schemas.openxmlformats.org/drawingml/2006/main" xmlns:r="http://schemas.openxmlformats.org/officeDocument/2006/relationships" xmlns:p="http://schemas.openxmlformats.org/presentationml/2006/main">
+  <p:cSld>
+    <p:spTree>
+      <p:nvGrpSpPr>
         <p:cNvPr id="1" name="">
           <a:extLst>
             <a:ext uri="{FF2B5EF4-FFF2-40B4-BE49-F238E27FC236}">
@@ -7151,7 +8275,113 @@
 </p:sld>
 </file>
 
-<file path=ppt/slides/slide19.xml><?xml version="1.0" encoding="utf-8"?>
+<file path=ppt/slides/slide2.xml><?xml version="1.0" encoding="utf-8"?>
+<p:sld xmlns:a="http://schemas.openxmlformats.org/drawingml/2006/main" xmlns:r="http://schemas.openxmlformats.org/officeDocument/2006/relationships" xmlns:p="http://schemas.openxmlformats.org/presentationml/2006/main">
+  <p:cSld>
+    <p:spTree>
+      <p:nvGrpSpPr>
+        <p:cNvPr id="1" name=""/>
+        <p:cNvGrpSpPr/>
+        <p:nvPr/>
+      </p:nvGrpSpPr>
+      <p:grpSpPr>
+        <a:xfrm>
+          <a:off x="0" y="0"/>
+          <a:ext cx="0" cy="0"/>
+          <a:chOff x="0" y="0"/>
+          <a:chExt cx="0" cy="0"/>
+        </a:xfrm>
+      </p:grpSpPr>
+      <p:sp>
+        <p:nvSpPr>
+          <p:cNvPr id="2" name="Title 1">
+            <a:extLst>
+              <a:ext uri="{FF2B5EF4-FFF2-40B4-BE49-F238E27FC236}">
+                <a16:creationId xmlns:a16="http://schemas.microsoft.com/office/drawing/2014/main" id="{303F4B79-1CE4-972B-7FD4-FF4F4EDD38B2}"/>
+              </a:ext>
+            </a:extLst>
+          </p:cNvPr>
+          <p:cNvSpPr>
+            <a:spLocks noGrp="1"/>
+          </p:cNvSpPr>
+          <p:nvPr>
+            <p:ph type="title"/>
+          </p:nvPr>
+        </p:nvSpPr>
+        <p:spPr>
+          <a:xfrm>
+            <a:off x="1251511" y="2348880"/>
+            <a:ext cx="3114710" cy="1223963"/>
+          </a:xfrm>
+        </p:spPr>
+        <p:txBody>
+          <a:bodyPr/>
+          <a:lstStyle/>
+          <a:p>
+            <a:r>
+              <a:rPr lang="hr-HR" dirty="0"/>
+              <a:t>Opis igre</a:t>
+            </a:r>
+            <a:endParaRPr lang="en-US" dirty="0"/>
+          </a:p>
+        </p:txBody>
+      </p:sp>
+      <p:pic>
+        <p:nvPicPr>
+          <p:cNvPr id="7" name="Picture 6">
+            <a:extLst>
+              <a:ext uri="{FF2B5EF4-FFF2-40B4-BE49-F238E27FC236}">
+                <a16:creationId xmlns:a16="http://schemas.microsoft.com/office/drawing/2014/main" id="{53C32E1B-8AEB-CACE-32DB-EE0548C78C33}"/>
+              </a:ext>
+            </a:extLst>
+          </p:cNvPr>
+          <p:cNvPicPr>
+            <a:picLocks noChangeAspect="1"/>
+          </p:cNvPicPr>
+          <p:nvPr/>
+        </p:nvPicPr>
+        <p:blipFill>
+          <a:blip r:embed="rId2"/>
+          <a:stretch>
+            <a:fillRect/>
+          </a:stretch>
+        </p:blipFill>
+        <p:spPr>
+          <a:xfrm>
+            <a:off x="4173602" y="886408"/>
+            <a:ext cx="6782824" cy="5085184"/>
+          </a:xfrm>
+          <a:prstGeom prst="rect">
+            <a:avLst/>
+          </a:prstGeom>
+        </p:spPr>
+      </p:pic>
+    </p:spTree>
+    <p:extLst>
+      <p:ext uri="{BB962C8B-B14F-4D97-AF65-F5344CB8AC3E}">
+        <p14:creationId xmlns:p14="http://schemas.microsoft.com/office/powerpoint/2010/main" val="3228788658"/>
+      </p:ext>
+    </p:extLst>
+  </p:cSld>
+  <p:clrMapOvr>
+    <a:masterClrMapping/>
+  </p:clrMapOvr>
+  <mc:AlternateContent xmlns:mc="http://schemas.openxmlformats.org/markup-compatibility/2006" xmlns:p14="http://schemas.microsoft.com/office/powerpoint/2010/main">
+    <mc:Choice Requires="p14">
+      <p:transition spd="med" p14:dur="700">
+        <p:fade/>
+      </p:transition>
+    </mc:Choice>
+    <mc:Fallback xmlns="">
+      <p:transition spd="med">
+        <p:fade/>
+      </p:transition>
+    </mc:Fallback>
+  </mc:AlternateContent>
+</p:sld>
+</file>
+
+<file path=ppt/slides/slide20.xml><?xml version="1.0" encoding="utf-8"?>
 <p:sld xmlns:a="http://schemas.openxmlformats.org/drawingml/2006/main" xmlns:r="http://schemas.openxmlformats.org/officeDocument/2006/relationships" xmlns:p="http://schemas.openxmlformats.org/presentationml/2006/main">
   <p:cSld>
     <p:spTree>
@@ -7747,113 +8977,7 @@
 </p:sld>
 </file>
 
-<file path=ppt/slides/slide2.xml><?xml version="1.0" encoding="utf-8"?>
-<p:sld xmlns:a="http://schemas.openxmlformats.org/drawingml/2006/main" xmlns:r="http://schemas.openxmlformats.org/officeDocument/2006/relationships" xmlns:p="http://schemas.openxmlformats.org/presentationml/2006/main">
-  <p:cSld>
-    <p:spTree>
-      <p:nvGrpSpPr>
-        <p:cNvPr id="1" name=""/>
-        <p:cNvGrpSpPr/>
-        <p:nvPr/>
-      </p:nvGrpSpPr>
-      <p:grpSpPr>
-        <a:xfrm>
-          <a:off x="0" y="0"/>
-          <a:ext cx="0" cy="0"/>
-          <a:chOff x="0" y="0"/>
-          <a:chExt cx="0" cy="0"/>
-        </a:xfrm>
-      </p:grpSpPr>
-      <p:sp>
-        <p:nvSpPr>
-          <p:cNvPr id="2" name="Title 1">
-            <a:extLst>
-              <a:ext uri="{FF2B5EF4-FFF2-40B4-BE49-F238E27FC236}">
-                <a16:creationId xmlns:a16="http://schemas.microsoft.com/office/drawing/2014/main" id="{303F4B79-1CE4-972B-7FD4-FF4F4EDD38B2}"/>
-              </a:ext>
-            </a:extLst>
-          </p:cNvPr>
-          <p:cNvSpPr>
-            <a:spLocks noGrp="1"/>
-          </p:cNvSpPr>
-          <p:nvPr>
-            <p:ph type="title"/>
-          </p:nvPr>
-        </p:nvSpPr>
-        <p:spPr>
-          <a:xfrm>
-            <a:off x="1251511" y="2348880"/>
-            <a:ext cx="3114710" cy="1223963"/>
-          </a:xfrm>
-        </p:spPr>
-        <p:txBody>
-          <a:bodyPr/>
-          <a:lstStyle/>
-          <a:p>
-            <a:r>
-              <a:rPr lang="hr-HR" dirty="0"/>
-              <a:t>Opis igre</a:t>
-            </a:r>
-            <a:endParaRPr lang="en-US" dirty="0"/>
-          </a:p>
-        </p:txBody>
-      </p:sp>
-      <p:pic>
-        <p:nvPicPr>
-          <p:cNvPr id="7" name="Picture 6">
-            <a:extLst>
-              <a:ext uri="{FF2B5EF4-FFF2-40B4-BE49-F238E27FC236}">
-                <a16:creationId xmlns:a16="http://schemas.microsoft.com/office/drawing/2014/main" id="{53C32E1B-8AEB-CACE-32DB-EE0548C78C33}"/>
-              </a:ext>
-            </a:extLst>
-          </p:cNvPr>
-          <p:cNvPicPr>
-            <a:picLocks noChangeAspect="1"/>
-          </p:cNvPicPr>
-          <p:nvPr/>
-        </p:nvPicPr>
-        <p:blipFill>
-          <a:blip r:embed="rId2"/>
-          <a:stretch>
-            <a:fillRect/>
-          </a:stretch>
-        </p:blipFill>
-        <p:spPr>
-          <a:xfrm>
-            <a:off x="4173602" y="886408"/>
-            <a:ext cx="6782824" cy="5085184"/>
-          </a:xfrm>
-          <a:prstGeom prst="rect">
-            <a:avLst/>
-          </a:prstGeom>
-        </p:spPr>
-      </p:pic>
-    </p:spTree>
-    <p:extLst>
-      <p:ext uri="{BB962C8B-B14F-4D97-AF65-F5344CB8AC3E}">
-        <p14:creationId xmlns:p14="http://schemas.microsoft.com/office/powerpoint/2010/main" val="3228788658"/>
-      </p:ext>
-    </p:extLst>
-  </p:cSld>
-  <p:clrMapOvr>
-    <a:masterClrMapping/>
-  </p:clrMapOvr>
-  <mc:AlternateContent xmlns:mc="http://schemas.openxmlformats.org/markup-compatibility/2006" xmlns:p14="http://schemas.microsoft.com/office/powerpoint/2010/main">
-    <mc:Choice Requires="p14">
-      <p:transition spd="med" p14:dur="700">
-        <p:fade/>
-      </p:transition>
-    </mc:Choice>
-    <mc:Fallback xmlns="">
-      <p:transition spd="med">
-        <p:fade/>
-      </p:transition>
-    </mc:Fallback>
-  </mc:AlternateContent>
-</p:sld>
-</file>
-
-<file path=ppt/slides/slide20.xml><?xml version="1.0" encoding="utf-8"?>
+<file path=ppt/slides/slide21.xml><?xml version="1.0" encoding="utf-8"?>
 <p:sld xmlns:a="http://schemas.openxmlformats.org/drawingml/2006/main" xmlns:r="http://schemas.openxmlformats.org/officeDocument/2006/relationships" xmlns:p="http://schemas.openxmlformats.org/presentationml/2006/main">
   <p:cSld>
     <p:spTree>
@@ -7972,7 +9096,7 @@
 </p:sld>
 </file>
 
-<file path=ppt/slides/slide21.xml><?xml version="1.0" encoding="utf-8"?>
+<file path=ppt/slides/slide22.xml><?xml version="1.0" encoding="utf-8"?>
 <p:sld xmlns:a="http://schemas.openxmlformats.org/drawingml/2006/main" xmlns:r="http://schemas.openxmlformats.org/officeDocument/2006/relationships" xmlns:p="http://schemas.openxmlformats.org/presentationml/2006/main">
   <p:cSld>
     <p:spTree>
@@ -8140,7 +9264,7 @@
 </p:sld>
 </file>
 
-<file path=ppt/slides/slide22.xml><?xml version="1.0" encoding="utf-8"?>
+<file path=ppt/slides/slide23.xml><?xml version="1.0" encoding="utf-8"?>
 <p:sld xmlns:a="http://schemas.openxmlformats.org/drawingml/2006/main" xmlns:r="http://schemas.openxmlformats.org/officeDocument/2006/relationships" xmlns:p="http://schemas.openxmlformats.org/presentationml/2006/main">
   <p:cSld>
     <p:spTree>
@@ -8283,7 +9407,7 @@
 </p:sld>
 </file>
 
-<file path=ppt/slides/slide23.xml><?xml version="1.0" encoding="utf-8"?>
+<file path=ppt/slides/slide24.xml><?xml version="1.0" encoding="utf-8"?>
 <p:sld xmlns:a="http://schemas.openxmlformats.org/drawingml/2006/main" xmlns:r="http://schemas.openxmlformats.org/officeDocument/2006/relationships" xmlns:p="http://schemas.openxmlformats.org/presentationml/2006/main">
   <p:cSld>
     <p:spTree>
@@ -8438,7 +9562,7 @@
 </p:sld>
 </file>
 
-<file path=ppt/slides/slide24.xml><?xml version="1.0" encoding="utf-8"?>
+<file path=ppt/slides/slide25.xml><?xml version="1.0" encoding="utf-8"?>
 <p:sld xmlns:a="http://schemas.openxmlformats.org/drawingml/2006/main" xmlns:r="http://schemas.openxmlformats.org/officeDocument/2006/relationships" xmlns:p="http://schemas.openxmlformats.org/presentationml/2006/main">
   <p:cSld>
     <p:spTree>
@@ -8602,7 +9726,7 @@
 </p:sld>
 </file>
 
-<file path=ppt/slides/slide25.xml><?xml version="1.0" encoding="utf-8"?>
+<file path=ppt/slides/slide26.xml><?xml version="1.0" encoding="utf-8"?>
 <p:sld xmlns:a="http://schemas.openxmlformats.org/drawingml/2006/main" xmlns:r="http://schemas.openxmlformats.org/officeDocument/2006/relationships" xmlns:p="http://schemas.openxmlformats.org/presentationml/2006/main">
   <p:cSld>
     <p:spTree>
@@ -10850,151 +11974,6 @@
 </file>
 
 <file path=customXml/item1.xml><?xml version="1.0" encoding="utf-8"?>
-<p:properties xmlns:p="http://schemas.microsoft.com/office/2006/metadata/properties" xmlns:xsi="http://www.w3.org/2001/XMLSchema-instance" xmlns:pc="http://schemas.microsoft.com/office/infopath/2007/PartnerControls">
-  <documentManagement>
-    <LocPublishedLinkedAssetsLookup xmlns="4873beb7-5857-4685-be1f-d57550cc96cc" xsi:nil="true"/>
-    <ApprovalStatus xmlns="4873beb7-5857-4685-be1f-d57550cc96cc">InProgress</ApprovalStatus>
-    <MarketSpecific xmlns="4873beb7-5857-4685-be1f-d57550cc96cc">false</MarketSpecific>
-    <LocComments xmlns="4873beb7-5857-4685-be1f-d57550cc96cc" xsi:nil="true"/>
-    <LocLastLocAttemptVersionTypeLookup xmlns="4873beb7-5857-4685-be1f-d57550cc96cc" xsi:nil="true"/>
-    <DirectSourceMarket xmlns="4873beb7-5857-4685-be1f-d57550cc96cc" xsi:nil="true"/>
-    <ThumbnailAssetId xmlns="4873beb7-5857-4685-be1f-d57550cc96cc" xsi:nil="true"/>
-    <PrimaryImageGen xmlns="4873beb7-5857-4685-be1f-d57550cc96cc">false</PrimaryImageGen>
-    <LocNewPublishedVersionLookup xmlns="4873beb7-5857-4685-be1f-d57550cc96cc" xsi:nil="true"/>
-    <LegacyData xmlns="4873beb7-5857-4685-be1f-d57550cc96cc" xsi:nil="true"/>
-    <LocRecommendedHandoff xmlns="4873beb7-5857-4685-be1f-d57550cc96cc" xsi:nil="true"/>
-    <BusinessGroup xmlns="4873beb7-5857-4685-be1f-d57550cc96cc" xsi:nil="true"/>
-    <BlockPublish xmlns="4873beb7-5857-4685-be1f-d57550cc96cc">false</BlockPublish>
-    <TPFriendlyName xmlns="4873beb7-5857-4685-be1f-d57550cc96cc" xsi:nil="true"/>
-    <LocOverallPublishStatusLookup xmlns="4873beb7-5857-4685-be1f-d57550cc96cc" xsi:nil="true"/>
-    <NumericId xmlns="4873beb7-5857-4685-be1f-d57550cc96cc" xsi:nil="true"/>
-    <APEditor xmlns="4873beb7-5857-4685-be1f-d57550cc96cc">
-      <UserInfo>
-        <DisplayName/>
-        <AccountId xsi:nil="true"/>
-        <AccountType/>
-      </UserInfo>
-    </APEditor>
-    <SourceTitle xmlns="4873beb7-5857-4685-be1f-d57550cc96cc" xsi:nil="true"/>
-    <OpenTemplate xmlns="4873beb7-5857-4685-be1f-d57550cc96cc">true</OpenTemplate>
-    <LocOverallLocStatusLookup xmlns="4873beb7-5857-4685-be1f-d57550cc96cc" xsi:nil="true"/>
-    <UALocComments xmlns="4873beb7-5857-4685-be1f-d57550cc96cc" xsi:nil="true"/>
-    <ParentAssetId xmlns="4873beb7-5857-4685-be1f-d57550cc96cc" xsi:nil="true"/>
-    <IntlLangReviewDate xmlns="4873beb7-5857-4685-be1f-d57550cc96cc" xsi:nil="true"/>
-    <FeatureTagsTaxHTField0 xmlns="4873beb7-5857-4685-be1f-d57550cc96cc">
-      <Terms xmlns="http://schemas.microsoft.com/office/infopath/2007/PartnerControls"/>
-    </FeatureTagsTaxHTField0>
-    <PublishStatusLookup xmlns="4873beb7-5857-4685-be1f-d57550cc96cc">
-      <Value>1345093</Value>
-    </PublishStatusLookup>
-    <Providers xmlns="4873beb7-5857-4685-be1f-d57550cc96cc" xsi:nil="true"/>
-    <MachineTranslated xmlns="4873beb7-5857-4685-be1f-d57550cc96cc">false</MachineTranslated>
-    <OriginalSourceMarket xmlns="4873beb7-5857-4685-be1f-d57550cc96cc" xsi:nil="true"/>
-    <APDescription xmlns="4873beb7-5857-4685-be1f-d57550cc96cc">This simple template design works for technology and  businesses, but it's versatile enough to use in other contexts.  It features multiple slide layouts designed for widescreen (16x9 resolution) and includes a sample SmartArt list and chart that are easily editable.</APDescription>
-    <ClipArtFilename xmlns="4873beb7-5857-4685-be1f-d57550cc96cc" xsi:nil="true"/>
-    <ContentItem xmlns="4873beb7-5857-4685-be1f-d57550cc96cc" xsi:nil="true"/>
-    <TPInstallLocation xmlns="4873beb7-5857-4685-be1f-d57550cc96cc" xsi:nil="true"/>
-    <PublishTargets xmlns="4873beb7-5857-4685-be1f-d57550cc96cc">OfficeOnlineVNext</PublishTargets>
-    <TimesCloned xmlns="4873beb7-5857-4685-be1f-d57550cc96cc" xsi:nil="true"/>
-    <AssetStart xmlns="4873beb7-5857-4685-be1f-d57550cc96cc">2011-11-26T00:30:00+00:00</AssetStart>
-    <Provider xmlns="4873beb7-5857-4685-be1f-d57550cc96cc" xsi:nil="true"/>
-    <AcquiredFrom xmlns="4873beb7-5857-4685-be1f-d57550cc96cc">Internal MS</AcquiredFrom>
-    <FriendlyTitle xmlns="4873beb7-5857-4685-be1f-d57550cc96cc" xsi:nil="true"/>
-    <LastHandOff xmlns="4873beb7-5857-4685-be1f-d57550cc96cc" xsi:nil="true"/>
-    <TPClientViewer xmlns="4873beb7-5857-4685-be1f-d57550cc96cc" xsi:nil="true"/>
-    <TemplateStatus xmlns="4873beb7-5857-4685-be1f-d57550cc96cc">Complete</TemplateStatus>
-    <Downloads xmlns="4873beb7-5857-4685-be1f-d57550cc96cc">0</Downloads>
-    <OOCacheId xmlns="4873beb7-5857-4685-be1f-d57550cc96cc" xsi:nil="true"/>
-    <IsDeleted xmlns="4873beb7-5857-4685-be1f-d57550cc96cc">false</IsDeleted>
-    <LocPublishedDependentAssetsLookup xmlns="4873beb7-5857-4685-be1f-d57550cc96cc" xsi:nil="true"/>
-    <TPExecutable xmlns="4873beb7-5857-4685-be1f-d57550cc96cc" xsi:nil="true"/>
-    <EditorialTags xmlns="4873beb7-5857-4685-be1f-d57550cc96cc" xsi:nil="true"/>
-    <SubmitterId xmlns="4873beb7-5857-4685-be1f-d57550cc96cc" xsi:nil="true"/>
-    <ApprovalLog xmlns="4873beb7-5857-4685-be1f-d57550cc96cc" xsi:nil="true"/>
-    <AssetType xmlns="4873beb7-5857-4685-be1f-d57550cc96cc">TP</AssetType>
-    <BugNumber xmlns="4873beb7-5857-4685-be1f-d57550cc96cc" xsi:nil="true"/>
-    <CSXSubmissionDate xmlns="4873beb7-5857-4685-be1f-d57550cc96cc" xsi:nil="true"/>
-    <CSXUpdate xmlns="4873beb7-5857-4685-be1f-d57550cc96cc">false</CSXUpdate>
-    <Milestone xmlns="4873beb7-5857-4685-be1f-d57550cc96cc" xsi:nil="true"/>
-    <RecommendationsModifier xmlns="4873beb7-5857-4685-be1f-d57550cc96cc" xsi:nil="true"/>
-    <OriginAsset xmlns="4873beb7-5857-4685-be1f-d57550cc96cc" xsi:nil="true"/>
-    <TPComponent xmlns="4873beb7-5857-4685-be1f-d57550cc96cc" xsi:nil="true"/>
-    <AssetId xmlns="4873beb7-5857-4685-be1f-d57550cc96cc">TP102787989</AssetId>
-    <IntlLocPriority xmlns="4873beb7-5857-4685-be1f-d57550cc96cc" xsi:nil="true"/>
-    <PolicheckWords xmlns="4873beb7-5857-4685-be1f-d57550cc96cc" xsi:nil="true"/>
-    <TPLaunchHelpLink xmlns="4873beb7-5857-4685-be1f-d57550cc96cc" xsi:nil="true"/>
-    <TPApplication xmlns="4873beb7-5857-4685-be1f-d57550cc96cc" xsi:nil="true"/>
-    <CrawlForDependencies xmlns="4873beb7-5857-4685-be1f-d57550cc96cc">false</CrawlForDependencies>
-    <HandoffToMSDN xmlns="4873beb7-5857-4685-be1f-d57550cc96cc" xsi:nil="true"/>
-    <PlannedPubDate xmlns="4873beb7-5857-4685-be1f-d57550cc96cc" xsi:nil="true"/>
-    <IntlLangReviewer xmlns="4873beb7-5857-4685-be1f-d57550cc96cc" xsi:nil="true"/>
-    <TrustLevel xmlns="4873beb7-5857-4685-be1f-d57550cc96cc">1 Microsoft Managed Content</TrustLevel>
-    <LocLastLocAttemptVersionLookup xmlns="4873beb7-5857-4685-be1f-d57550cc96cc">694266</LocLastLocAttemptVersionLookup>
-    <LocProcessedForHandoffsLookup xmlns="4873beb7-5857-4685-be1f-d57550cc96cc" xsi:nil="true"/>
-    <IsSearchable xmlns="4873beb7-5857-4685-be1f-d57550cc96cc">true</IsSearchable>
-    <TemplateTemplateType xmlns="4873beb7-5857-4685-be1f-d57550cc96cc">PowerPoint Presentation Template</TemplateTemplateType>
-    <CampaignTagsTaxHTField0 xmlns="4873beb7-5857-4685-be1f-d57550cc96cc">
-      <Terms xmlns="http://schemas.microsoft.com/office/infopath/2007/PartnerControls"/>
-    </CampaignTagsTaxHTField0>
-    <TPNamespace xmlns="4873beb7-5857-4685-be1f-d57550cc96cc" xsi:nil="true"/>
-    <LocOverallPreviewStatusLookup xmlns="4873beb7-5857-4685-be1f-d57550cc96cc" xsi:nil="true"/>
-    <TaxCatchAll xmlns="4873beb7-5857-4685-be1f-d57550cc96cc"/>
-    <Markets xmlns="4873beb7-5857-4685-be1f-d57550cc96cc"/>
-    <UAProjectedTotalWords xmlns="4873beb7-5857-4685-be1f-d57550cc96cc" xsi:nil="true"/>
-    <IntlLangReview xmlns="4873beb7-5857-4685-be1f-d57550cc96cc" xsi:nil="true"/>
-    <OutputCachingOn xmlns="4873beb7-5857-4685-be1f-d57550cc96cc">false</OutputCachingOn>
-    <AverageRating xmlns="4873beb7-5857-4685-be1f-d57550cc96cc" xsi:nil="true"/>
-    <APAuthor xmlns="4873beb7-5857-4685-be1f-d57550cc96cc">
-      <UserInfo>
-        <DisplayName>REDMOND\kristaa</DisplayName>
-        <AccountId>136</AccountId>
-        <AccountType/>
-      </UserInfo>
-    </APAuthor>
-    <LocManualTestRequired xmlns="4873beb7-5857-4685-be1f-d57550cc96cc">false</LocManualTestRequired>
-    <TPCommandLine xmlns="4873beb7-5857-4685-be1f-d57550cc96cc" xsi:nil="true"/>
-    <TPAppVersion xmlns="4873beb7-5857-4685-be1f-d57550cc96cc" xsi:nil="true"/>
-    <EditorialStatus xmlns="4873beb7-5857-4685-be1f-d57550cc96cc">Complete</EditorialStatus>
-    <LastModifiedDateTime xmlns="4873beb7-5857-4685-be1f-d57550cc96cc" xsi:nil="true"/>
-    <ScenarioTagsTaxHTField0 xmlns="4873beb7-5857-4685-be1f-d57550cc96cc">
-      <Terms xmlns="http://schemas.microsoft.com/office/infopath/2007/PartnerControls"/>
-    </ScenarioTagsTaxHTField0>
-    <LocProcessedForMarketsLookup xmlns="4873beb7-5857-4685-be1f-d57550cc96cc" xsi:nil="true"/>
-    <TPLaunchHelpLinkType xmlns="4873beb7-5857-4685-be1f-d57550cc96cc">Template</TPLaunchHelpLinkType>
-    <OriginalRelease xmlns="4873beb7-5857-4685-be1f-d57550cc96cc">15</OriginalRelease>
-    <LocalizationTagsTaxHTField0 xmlns="4873beb7-5857-4685-be1f-d57550cc96cc">
-      <Terms xmlns="http://schemas.microsoft.com/office/infopath/2007/PartnerControls"/>
-    </LocalizationTagsTaxHTField0>
-    <UACurrentWords xmlns="4873beb7-5857-4685-be1f-d57550cc96cc" xsi:nil="true"/>
-    <ArtSampleDocs xmlns="4873beb7-5857-4685-be1f-d57550cc96cc" xsi:nil="true"/>
-    <UALocRecommendation xmlns="4873beb7-5857-4685-be1f-d57550cc96cc">Localize</UALocRecommendation>
-    <Manager xmlns="4873beb7-5857-4685-be1f-d57550cc96cc" xsi:nil="true"/>
-    <LocOverallHandbackStatusLookup xmlns="4873beb7-5857-4685-be1f-d57550cc96cc" xsi:nil="true"/>
-    <ShowIn xmlns="4873beb7-5857-4685-be1f-d57550cc96cc">Show everywhere</ShowIn>
-    <UANotes xmlns="4873beb7-5857-4685-be1f-d57550cc96cc" xsi:nil="true"/>
-    <InternalTagsTaxHTField0 xmlns="4873beb7-5857-4685-be1f-d57550cc96cc">
-      <Terms xmlns="http://schemas.microsoft.com/office/infopath/2007/PartnerControls"/>
-    </InternalTagsTaxHTField0>
-    <CSXHash xmlns="4873beb7-5857-4685-be1f-d57550cc96cc" xsi:nil="true"/>
-    <VoteCount xmlns="4873beb7-5857-4685-be1f-d57550cc96cc" xsi:nil="true"/>
-    <AssetExpire xmlns="4873beb7-5857-4685-be1f-d57550cc96cc">2029-05-12T07:00:00+00:00</AssetExpire>
-    <DSATActionTaken xmlns="4873beb7-5857-4685-be1f-d57550cc96cc" xsi:nil="true"/>
-    <CSXSubmissionMarket xmlns="4873beb7-5857-4685-be1f-d57550cc96cc" xsi:nil="true"/>
-    <LocMarketGroupTiers2 xmlns="4873beb7-5857-4685-be1f-d57550cc96cc" xsi:nil="true"/>
-  </documentManagement>
-</p:properties>
-</file>
-
-<file path=customXml/item2.xml><?xml version="1.0" encoding="utf-8"?>
-<?mso-contentType ?>
-<FormTemplates xmlns="http://schemas.microsoft.com/sharepoint/v3/contenttype/forms">
-  <Display>DocumentLibraryForm</Display>
-  <Edit>AssetEditForm</Edit>
-  <New>DocumentLibraryForm</New>
-</FormTemplates>
-</file>
-
-<file path=customXml/item3.xml><?xml version="1.0" encoding="utf-8"?>
 <ct:contentTypeSchema xmlns:ct="http://schemas.microsoft.com/office/2006/metadata/contentType" xmlns:ma="http://schemas.microsoft.com/office/2006/metadata/properties/metaAttributes" ct:_="" ma:_="" ma:contentTypeName="TemplateFile" ma:contentTypeID="0x0101006EDDDB5EE6D98C44930B742096920B300400F5B6D36B3EF94B4E9A635CDF2A18F5B8" ma:contentTypeVersion="72" ma:contentTypeDescription="Create a new document." ma:contentTypeScope="" ma:versionID="a23e56308344d904b51738559c3d67c9">
   <xsd:schema xmlns:xsd="http://www.w3.org/2001/XMLSchema" xmlns:xs="http://www.w3.org/2001/XMLSchema" xmlns:p="http://schemas.microsoft.com/office/2006/metadata/properties" xmlns:ns2="4873beb7-5857-4685-be1f-d57550cc96cc" targetNamespace="http://schemas.microsoft.com/office/2006/metadata/properties" ma:root="true" ma:fieldsID="cd0908cc4600e77bf5da051303e00c8d" ns2:_="">
     <xsd:import namespace="4873beb7-5857-4685-be1f-d57550cc96cc"/>
@@ -12034,31 +13013,152 @@
 </ct:contentTypeSchema>
 </file>
 
-<file path=customXml/itemProps1.xml><?xml version="1.0" encoding="utf-8"?>
-<ds:datastoreItem xmlns:ds="http://schemas.openxmlformats.org/officeDocument/2006/customXml" ds:itemID="{60C67BEE-D13F-4BD2-98A5-34D8A0977F68}">
-  <ds:schemaRefs>
-    <ds:schemaRef ds:uri="4873beb7-5857-4685-be1f-d57550cc96cc"/>
-    <ds:schemaRef ds:uri="http://purl.org/dc/elements/1.1/"/>
-    <ds:schemaRef ds:uri="http://schemas.microsoft.com/office/2006/metadata/properties"/>
-    <ds:schemaRef ds:uri="http://schemas.microsoft.com/office/infopath/2007/PartnerControls"/>
-    <ds:schemaRef ds:uri="http://schemas.microsoft.com/office/2006/documentManagement/types"/>
-    <ds:schemaRef ds:uri="http://purl.org/dc/terms/"/>
-    <ds:schemaRef ds:uri="http://schemas.openxmlformats.org/package/2006/metadata/core-properties"/>
-    <ds:schemaRef ds:uri="http://www.w3.org/XML/1998/namespace"/>
-    <ds:schemaRef ds:uri="http://purl.org/dc/dcmitype/"/>
-  </ds:schemaRefs>
-</ds:datastoreItem>
+<file path=customXml/item2.xml><?xml version="1.0" encoding="utf-8"?>
+<?mso-contentType ?>
+<FormTemplates xmlns="http://schemas.microsoft.com/sharepoint/v3/contenttype/forms">
+  <Display>DocumentLibraryForm</Display>
+  <Edit>AssetEditForm</Edit>
+  <New>DocumentLibraryForm</New>
+</FormTemplates>
 </file>
 
-<file path=customXml/itemProps2.xml><?xml version="1.0" encoding="utf-8"?>
-<ds:datastoreItem xmlns:ds="http://schemas.openxmlformats.org/officeDocument/2006/customXml" ds:itemID="{3836F65B-1B07-41EE-A0E8-BC6EF3855225}">
-  <ds:schemaRefs>
-    <ds:schemaRef ds:uri="http://schemas.microsoft.com/sharepoint/v3/contenttype/forms"/>
-  </ds:schemaRefs>
-</ds:datastoreItem>
+<file path=customXml/item3.xml><?xml version="1.0" encoding="utf-8"?>
+<p:properties xmlns:p="http://schemas.microsoft.com/office/2006/metadata/properties" xmlns:xsi="http://www.w3.org/2001/XMLSchema-instance" xmlns:pc="http://schemas.microsoft.com/office/infopath/2007/PartnerControls">
+  <documentManagement>
+    <LocPublishedLinkedAssetsLookup xmlns="4873beb7-5857-4685-be1f-d57550cc96cc" xsi:nil="true"/>
+    <ApprovalStatus xmlns="4873beb7-5857-4685-be1f-d57550cc96cc">InProgress</ApprovalStatus>
+    <MarketSpecific xmlns="4873beb7-5857-4685-be1f-d57550cc96cc">false</MarketSpecific>
+    <LocComments xmlns="4873beb7-5857-4685-be1f-d57550cc96cc" xsi:nil="true"/>
+    <LocLastLocAttemptVersionTypeLookup xmlns="4873beb7-5857-4685-be1f-d57550cc96cc" xsi:nil="true"/>
+    <DirectSourceMarket xmlns="4873beb7-5857-4685-be1f-d57550cc96cc" xsi:nil="true"/>
+    <ThumbnailAssetId xmlns="4873beb7-5857-4685-be1f-d57550cc96cc" xsi:nil="true"/>
+    <PrimaryImageGen xmlns="4873beb7-5857-4685-be1f-d57550cc96cc">false</PrimaryImageGen>
+    <LocNewPublishedVersionLookup xmlns="4873beb7-5857-4685-be1f-d57550cc96cc" xsi:nil="true"/>
+    <LegacyData xmlns="4873beb7-5857-4685-be1f-d57550cc96cc" xsi:nil="true"/>
+    <LocRecommendedHandoff xmlns="4873beb7-5857-4685-be1f-d57550cc96cc" xsi:nil="true"/>
+    <BusinessGroup xmlns="4873beb7-5857-4685-be1f-d57550cc96cc" xsi:nil="true"/>
+    <BlockPublish xmlns="4873beb7-5857-4685-be1f-d57550cc96cc">false</BlockPublish>
+    <TPFriendlyName xmlns="4873beb7-5857-4685-be1f-d57550cc96cc" xsi:nil="true"/>
+    <LocOverallPublishStatusLookup xmlns="4873beb7-5857-4685-be1f-d57550cc96cc" xsi:nil="true"/>
+    <NumericId xmlns="4873beb7-5857-4685-be1f-d57550cc96cc" xsi:nil="true"/>
+    <APEditor xmlns="4873beb7-5857-4685-be1f-d57550cc96cc">
+      <UserInfo>
+        <DisplayName/>
+        <AccountId xsi:nil="true"/>
+        <AccountType/>
+      </UserInfo>
+    </APEditor>
+    <SourceTitle xmlns="4873beb7-5857-4685-be1f-d57550cc96cc" xsi:nil="true"/>
+    <OpenTemplate xmlns="4873beb7-5857-4685-be1f-d57550cc96cc">true</OpenTemplate>
+    <LocOverallLocStatusLookup xmlns="4873beb7-5857-4685-be1f-d57550cc96cc" xsi:nil="true"/>
+    <UALocComments xmlns="4873beb7-5857-4685-be1f-d57550cc96cc" xsi:nil="true"/>
+    <ParentAssetId xmlns="4873beb7-5857-4685-be1f-d57550cc96cc" xsi:nil="true"/>
+    <IntlLangReviewDate xmlns="4873beb7-5857-4685-be1f-d57550cc96cc" xsi:nil="true"/>
+    <FeatureTagsTaxHTField0 xmlns="4873beb7-5857-4685-be1f-d57550cc96cc">
+      <Terms xmlns="http://schemas.microsoft.com/office/infopath/2007/PartnerControls"/>
+    </FeatureTagsTaxHTField0>
+    <PublishStatusLookup xmlns="4873beb7-5857-4685-be1f-d57550cc96cc">
+      <Value>1345093</Value>
+    </PublishStatusLookup>
+    <Providers xmlns="4873beb7-5857-4685-be1f-d57550cc96cc" xsi:nil="true"/>
+    <MachineTranslated xmlns="4873beb7-5857-4685-be1f-d57550cc96cc">false</MachineTranslated>
+    <OriginalSourceMarket xmlns="4873beb7-5857-4685-be1f-d57550cc96cc" xsi:nil="true"/>
+    <APDescription xmlns="4873beb7-5857-4685-be1f-d57550cc96cc">This simple template design works for technology and  businesses, but it's versatile enough to use in other contexts.  It features multiple slide layouts designed for widescreen (16x9 resolution) and includes a sample SmartArt list and chart that are easily editable.</APDescription>
+    <ClipArtFilename xmlns="4873beb7-5857-4685-be1f-d57550cc96cc" xsi:nil="true"/>
+    <ContentItem xmlns="4873beb7-5857-4685-be1f-d57550cc96cc" xsi:nil="true"/>
+    <TPInstallLocation xmlns="4873beb7-5857-4685-be1f-d57550cc96cc" xsi:nil="true"/>
+    <PublishTargets xmlns="4873beb7-5857-4685-be1f-d57550cc96cc">OfficeOnlineVNext</PublishTargets>
+    <TimesCloned xmlns="4873beb7-5857-4685-be1f-d57550cc96cc" xsi:nil="true"/>
+    <AssetStart xmlns="4873beb7-5857-4685-be1f-d57550cc96cc">2011-11-26T00:30:00+00:00</AssetStart>
+    <Provider xmlns="4873beb7-5857-4685-be1f-d57550cc96cc" xsi:nil="true"/>
+    <AcquiredFrom xmlns="4873beb7-5857-4685-be1f-d57550cc96cc">Internal MS</AcquiredFrom>
+    <FriendlyTitle xmlns="4873beb7-5857-4685-be1f-d57550cc96cc" xsi:nil="true"/>
+    <LastHandOff xmlns="4873beb7-5857-4685-be1f-d57550cc96cc" xsi:nil="true"/>
+    <TPClientViewer xmlns="4873beb7-5857-4685-be1f-d57550cc96cc" xsi:nil="true"/>
+    <TemplateStatus xmlns="4873beb7-5857-4685-be1f-d57550cc96cc">Complete</TemplateStatus>
+    <Downloads xmlns="4873beb7-5857-4685-be1f-d57550cc96cc">0</Downloads>
+    <OOCacheId xmlns="4873beb7-5857-4685-be1f-d57550cc96cc" xsi:nil="true"/>
+    <IsDeleted xmlns="4873beb7-5857-4685-be1f-d57550cc96cc">false</IsDeleted>
+    <LocPublishedDependentAssetsLookup xmlns="4873beb7-5857-4685-be1f-d57550cc96cc" xsi:nil="true"/>
+    <TPExecutable xmlns="4873beb7-5857-4685-be1f-d57550cc96cc" xsi:nil="true"/>
+    <EditorialTags xmlns="4873beb7-5857-4685-be1f-d57550cc96cc" xsi:nil="true"/>
+    <SubmitterId xmlns="4873beb7-5857-4685-be1f-d57550cc96cc" xsi:nil="true"/>
+    <ApprovalLog xmlns="4873beb7-5857-4685-be1f-d57550cc96cc" xsi:nil="true"/>
+    <AssetType xmlns="4873beb7-5857-4685-be1f-d57550cc96cc">TP</AssetType>
+    <BugNumber xmlns="4873beb7-5857-4685-be1f-d57550cc96cc" xsi:nil="true"/>
+    <CSXSubmissionDate xmlns="4873beb7-5857-4685-be1f-d57550cc96cc" xsi:nil="true"/>
+    <CSXUpdate xmlns="4873beb7-5857-4685-be1f-d57550cc96cc">false</CSXUpdate>
+    <Milestone xmlns="4873beb7-5857-4685-be1f-d57550cc96cc" xsi:nil="true"/>
+    <RecommendationsModifier xmlns="4873beb7-5857-4685-be1f-d57550cc96cc" xsi:nil="true"/>
+    <OriginAsset xmlns="4873beb7-5857-4685-be1f-d57550cc96cc" xsi:nil="true"/>
+    <TPComponent xmlns="4873beb7-5857-4685-be1f-d57550cc96cc" xsi:nil="true"/>
+    <AssetId xmlns="4873beb7-5857-4685-be1f-d57550cc96cc">TP102787989</AssetId>
+    <IntlLocPriority xmlns="4873beb7-5857-4685-be1f-d57550cc96cc" xsi:nil="true"/>
+    <PolicheckWords xmlns="4873beb7-5857-4685-be1f-d57550cc96cc" xsi:nil="true"/>
+    <TPLaunchHelpLink xmlns="4873beb7-5857-4685-be1f-d57550cc96cc" xsi:nil="true"/>
+    <TPApplication xmlns="4873beb7-5857-4685-be1f-d57550cc96cc" xsi:nil="true"/>
+    <CrawlForDependencies xmlns="4873beb7-5857-4685-be1f-d57550cc96cc">false</CrawlForDependencies>
+    <HandoffToMSDN xmlns="4873beb7-5857-4685-be1f-d57550cc96cc" xsi:nil="true"/>
+    <PlannedPubDate xmlns="4873beb7-5857-4685-be1f-d57550cc96cc" xsi:nil="true"/>
+    <IntlLangReviewer xmlns="4873beb7-5857-4685-be1f-d57550cc96cc" xsi:nil="true"/>
+    <TrustLevel xmlns="4873beb7-5857-4685-be1f-d57550cc96cc">1 Microsoft Managed Content</TrustLevel>
+    <LocLastLocAttemptVersionLookup xmlns="4873beb7-5857-4685-be1f-d57550cc96cc">694266</LocLastLocAttemptVersionLookup>
+    <LocProcessedForHandoffsLookup xmlns="4873beb7-5857-4685-be1f-d57550cc96cc" xsi:nil="true"/>
+    <IsSearchable xmlns="4873beb7-5857-4685-be1f-d57550cc96cc">true</IsSearchable>
+    <TemplateTemplateType xmlns="4873beb7-5857-4685-be1f-d57550cc96cc">PowerPoint Presentation Template</TemplateTemplateType>
+    <CampaignTagsTaxHTField0 xmlns="4873beb7-5857-4685-be1f-d57550cc96cc">
+      <Terms xmlns="http://schemas.microsoft.com/office/infopath/2007/PartnerControls"/>
+    </CampaignTagsTaxHTField0>
+    <TPNamespace xmlns="4873beb7-5857-4685-be1f-d57550cc96cc" xsi:nil="true"/>
+    <LocOverallPreviewStatusLookup xmlns="4873beb7-5857-4685-be1f-d57550cc96cc" xsi:nil="true"/>
+    <TaxCatchAll xmlns="4873beb7-5857-4685-be1f-d57550cc96cc"/>
+    <Markets xmlns="4873beb7-5857-4685-be1f-d57550cc96cc"/>
+    <UAProjectedTotalWords xmlns="4873beb7-5857-4685-be1f-d57550cc96cc" xsi:nil="true"/>
+    <IntlLangReview xmlns="4873beb7-5857-4685-be1f-d57550cc96cc" xsi:nil="true"/>
+    <OutputCachingOn xmlns="4873beb7-5857-4685-be1f-d57550cc96cc">false</OutputCachingOn>
+    <AverageRating xmlns="4873beb7-5857-4685-be1f-d57550cc96cc" xsi:nil="true"/>
+    <APAuthor xmlns="4873beb7-5857-4685-be1f-d57550cc96cc">
+      <UserInfo>
+        <DisplayName>REDMOND\kristaa</DisplayName>
+        <AccountId>136</AccountId>
+        <AccountType/>
+      </UserInfo>
+    </APAuthor>
+    <LocManualTestRequired xmlns="4873beb7-5857-4685-be1f-d57550cc96cc">false</LocManualTestRequired>
+    <TPCommandLine xmlns="4873beb7-5857-4685-be1f-d57550cc96cc" xsi:nil="true"/>
+    <TPAppVersion xmlns="4873beb7-5857-4685-be1f-d57550cc96cc" xsi:nil="true"/>
+    <EditorialStatus xmlns="4873beb7-5857-4685-be1f-d57550cc96cc">Complete</EditorialStatus>
+    <LastModifiedDateTime xmlns="4873beb7-5857-4685-be1f-d57550cc96cc" xsi:nil="true"/>
+    <ScenarioTagsTaxHTField0 xmlns="4873beb7-5857-4685-be1f-d57550cc96cc">
+      <Terms xmlns="http://schemas.microsoft.com/office/infopath/2007/PartnerControls"/>
+    </ScenarioTagsTaxHTField0>
+    <LocProcessedForMarketsLookup xmlns="4873beb7-5857-4685-be1f-d57550cc96cc" xsi:nil="true"/>
+    <TPLaunchHelpLinkType xmlns="4873beb7-5857-4685-be1f-d57550cc96cc">Template</TPLaunchHelpLinkType>
+    <OriginalRelease xmlns="4873beb7-5857-4685-be1f-d57550cc96cc">15</OriginalRelease>
+    <LocalizationTagsTaxHTField0 xmlns="4873beb7-5857-4685-be1f-d57550cc96cc">
+      <Terms xmlns="http://schemas.microsoft.com/office/infopath/2007/PartnerControls"/>
+    </LocalizationTagsTaxHTField0>
+    <UACurrentWords xmlns="4873beb7-5857-4685-be1f-d57550cc96cc" xsi:nil="true"/>
+    <ArtSampleDocs xmlns="4873beb7-5857-4685-be1f-d57550cc96cc" xsi:nil="true"/>
+    <UALocRecommendation xmlns="4873beb7-5857-4685-be1f-d57550cc96cc">Localize</UALocRecommendation>
+    <Manager xmlns="4873beb7-5857-4685-be1f-d57550cc96cc" xsi:nil="true"/>
+    <LocOverallHandbackStatusLookup xmlns="4873beb7-5857-4685-be1f-d57550cc96cc" xsi:nil="true"/>
+    <ShowIn xmlns="4873beb7-5857-4685-be1f-d57550cc96cc">Show everywhere</ShowIn>
+    <UANotes xmlns="4873beb7-5857-4685-be1f-d57550cc96cc" xsi:nil="true"/>
+    <InternalTagsTaxHTField0 xmlns="4873beb7-5857-4685-be1f-d57550cc96cc">
+      <Terms xmlns="http://schemas.microsoft.com/office/infopath/2007/PartnerControls"/>
+    </InternalTagsTaxHTField0>
+    <CSXHash xmlns="4873beb7-5857-4685-be1f-d57550cc96cc" xsi:nil="true"/>
+    <VoteCount xmlns="4873beb7-5857-4685-be1f-d57550cc96cc" xsi:nil="true"/>
+    <AssetExpire xmlns="4873beb7-5857-4685-be1f-d57550cc96cc">2029-05-12T07:00:00+00:00</AssetExpire>
+    <DSATActionTaken xmlns="4873beb7-5857-4685-be1f-d57550cc96cc" xsi:nil="true"/>
+    <CSXSubmissionMarket xmlns="4873beb7-5857-4685-be1f-d57550cc96cc" xsi:nil="true"/>
+    <LocMarketGroupTiers2 xmlns="4873beb7-5857-4685-be1f-d57550cc96cc" xsi:nil="true"/>
+  </documentManagement>
+</p:properties>
 </file>
 
-<file path=customXml/itemProps3.xml><?xml version="1.0" encoding="utf-8"?>
+<file path=customXml/itemProps1.xml><?xml version="1.0" encoding="utf-8"?>
 <ds:datastoreItem xmlns:ds="http://schemas.openxmlformats.org/officeDocument/2006/customXml" ds:itemID="{A09BF4D4-EF60-4196-BFC3-9462D607978C}">
   <ds:schemaRefs>
     <ds:schemaRef ds:uri="http://schemas.microsoft.com/office/2006/metadata/contentType"/>
@@ -12074,4 +13174,28 @@
     <ds:schemaRef ds:uri="http://schemas.microsoft.com/internal/obd"/>
   </ds:schemaRefs>
 </ds:datastoreItem>
+</file>
+
+<file path=customXml/itemProps2.xml><?xml version="1.0" encoding="utf-8"?>
+<ds:datastoreItem xmlns:ds="http://schemas.openxmlformats.org/officeDocument/2006/customXml" ds:itemID="{3836F65B-1B07-41EE-A0E8-BC6EF3855225}">
+  <ds:schemaRefs>
+    <ds:schemaRef ds:uri="http://schemas.microsoft.com/sharepoint/v3/contenttype/forms"/>
+  </ds:schemaRefs>
+</ds:datastoreItem>
+</file>
+
+<file path=customXml/itemProps3.xml><?xml version="1.0" encoding="utf-8"?>
+<ds:datastoreItem xmlns:ds="http://schemas.openxmlformats.org/officeDocument/2006/customXml" ds:itemID="{60C67BEE-D13F-4BD2-98A5-34D8A0977F68}">
+  <ds:schemaRefs>
+    <ds:schemaRef ds:uri="4873beb7-5857-4685-be1f-d57550cc96cc"/>
+    <ds:schemaRef ds:uri="http://purl.org/dc/elements/1.1/"/>
+    <ds:schemaRef ds:uri="http://schemas.microsoft.com/office/2006/metadata/properties"/>
+    <ds:schemaRef ds:uri="http://schemas.microsoft.com/office/infopath/2007/PartnerControls"/>
+    <ds:schemaRef ds:uri="http://schemas.microsoft.com/office/2006/documentManagement/types"/>
+    <ds:schemaRef ds:uri="http://purl.org/dc/terms/"/>
+    <ds:schemaRef ds:uri="http://schemas.openxmlformats.org/package/2006/metadata/core-properties"/>
+    <ds:schemaRef ds:uri="http://www.w3.org/XML/1998/namespace"/>
+    <ds:schemaRef ds:uri="http://purl.org/dc/dcmitype/"/>
+  </ds:schemaRefs>
+</ds:datastoreItem>
 </file>